--- a/figs/fig3.pptx
+++ b/figs/fig3.pptx
@@ -257,7 +257,7 @@
       </p15:sldGuideLst>
     </p:ext>
     <p:ext uri="http://customooxmlschemas.google.com/">
-      <go:slidesCustomData xmlns="" xmlns:mc="http://schemas.openxmlformats.org/markup-compatibility/2006" xmlns:mv="urn:schemas-microsoft-com:mac:vml" xmlns:c="http://schemas.openxmlformats.org/drawingml/2006/chart" xmlns:dgm="http://schemas.openxmlformats.org/drawingml/2006/diagram" xmlns:o="urn:schemas-microsoft-com:office:office" xmlns:v="urn:schemas-microsoft-com:vml" xmlns:pvml="urn:schemas-microsoft-com:office:powerpoint" xmlns:com="http://schemas.openxmlformats.org/drawingml/2006/compatibility" xmlns:p14="http://schemas.microsoft.com/office/powerpoint/2010/main" xmlns:p15="http://schemas.microsoft.com/office/powerpoint/2012/main" xmlns:ahyp="http://schemas.microsoft.com/office/drawing/2018/hyperlinkcolor" xmlns:go="http://customooxmlschemas.google.com/" r:id="rId10" roundtripDataSignature="AMtx7mhiytGPk8UOxiAGs9KaAxakDbg4SQ=="/>
+      <go:slidesCustomData xmlns:go="http://customooxmlschemas.google.com/" xmlns:ahyp="http://schemas.microsoft.com/office/drawing/2018/hyperlinkcolor" xmlns:p15="http://schemas.microsoft.com/office/powerpoint/2012/main" xmlns:p14="http://schemas.microsoft.com/office/powerpoint/2010/main" xmlns:com="http://schemas.openxmlformats.org/drawingml/2006/compatibility" xmlns:pvml="urn:schemas-microsoft-com:office:powerpoint" xmlns:v="urn:schemas-microsoft-com:vml" xmlns:o="urn:schemas-microsoft-com:office:office" xmlns:dgm="http://schemas.openxmlformats.org/drawingml/2006/diagram" xmlns:c="http://schemas.openxmlformats.org/drawingml/2006/chart" xmlns:mv="urn:schemas-microsoft-com:mac:vml" xmlns:mc="http://schemas.openxmlformats.org/markup-compatibility/2006" xmlns="" r:id="rId10" roundtripDataSignature="AMtx7mhiytGPk8UOxiAGs9KaAxakDbg4SQ=="/>
     </p:ext>
   </p:extLst>
 </p:presentation>
@@ -12626,617 +12626,6 @@
           <a:chExt cx="0" cy="0"/>
         </a:xfrm>
       </p:grpSpPr>
-      <p:grpSp>
-        <p:nvGrpSpPr>
-          <p:cNvPr id="84" name="Group 83">
-            <a:extLst>
-              <a:ext uri="{FF2B5EF4-FFF2-40B4-BE49-F238E27FC236}">
-                <a16:creationId xmlns:a16="http://schemas.microsoft.com/office/drawing/2014/main" id="{CCDFEEF8-E07B-855E-ED10-8079A1411D38}"/>
-              </a:ext>
-            </a:extLst>
-          </p:cNvPr>
-          <p:cNvGrpSpPr/>
-          <p:nvPr/>
-        </p:nvGrpSpPr>
-        <p:grpSpPr>
-          <a:xfrm>
-            <a:off x="14453764" y="12043937"/>
-            <a:ext cx="9236414" cy="6137573"/>
-            <a:chOff x="14440697" y="11266891"/>
-            <a:chExt cx="9236414" cy="6225801"/>
-          </a:xfrm>
-        </p:grpSpPr>
-        <p:grpSp>
-          <p:nvGrpSpPr>
-            <p:cNvPr id="78" name="Group 77">
-              <a:extLst>
-                <a:ext uri="{FF2B5EF4-FFF2-40B4-BE49-F238E27FC236}">
-                  <a16:creationId xmlns:a16="http://schemas.microsoft.com/office/drawing/2014/main" id="{69F39C8A-B22F-2DF1-1C4C-DDF6F889EF0F}"/>
-                </a:ext>
-              </a:extLst>
-            </p:cNvPr>
-            <p:cNvGrpSpPr/>
-            <p:nvPr/>
-          </p:nvGrpSpPr>
-          <p:grpSpPr>
-            <a:xfrm>
-              <a:off x="14440697" y="11266891"/>
-              <a:ext cx="9236414" cy="6225801"/>
-              <a:chOff x="14401799" y="11266890"/>
-              <a:chExt cx="9585338" cy="6132859"/>
-            </a:xfrm>
-          </p:grpSpPr>
-          <p:grpSp>
-            <p:nvGrpSpPr>
-              <p:cNvPr id="72" name="Group 71">
-                <a:extLst>
-                  <a:ext uri="{FF2B5EF4-FFF2-40B4-BE49-F238E27FC236}">
-                    <a16:creationId xmlns:a16="http://schemas.microsoft.com/office/drawing/2014/main" id="{D0AEC96E-224E-24F3-06B8-EEBEEB75CC7A}"/>
-                  </a:ext>
-                </a:extLst>
-              </p:cNvPr>
-              <p:cNvGrpSpPr/>
-              <p:nvPr/>
-            </p:nvGrpSpPr>
-            <p:grpSpPr>
-              <a:xfrm>
-                <a:off x="14401799" y="11266890"/>
-                <a:ext cx="9585338" cy="5777534"/>
-                <a:chOff x="14653209" y="12451794"/>
-                <a:chExt cx="6535956" cy="3983116"/>
-              </a:xfrm>
-            </p:grpSpPr>
-            <p:grpSp>
-              <p:nvGrpSpPr>
-                <p:cNvPr id="69" name="Group 68">
-                  <a:extLst>
-                    <a:ext uri="{FF2B5EF4-FFF2-40B4-BE49-F238E27FC236}">
-                      <a16:creationId xmlns:a16="http://schemas.microsoft.com/office/drawing/2014/main" id="{EFBF8C23-5D11-B025-ED76-4CDA374FD179}"/>
-                    </a:ext>
-                  </a:extLst>
-                </p:cNvPr>
-                <p:cNvGrpSpPr/>
-                <p:nvPr/>
-              </p:nvGrpSpPr>
-              <p:grpSpPr>
-                <a:xfrm>
-                  <a:off x="14653209" y="12451794"/>
-                  <a:ext cx="6002004" cy="3983116"/>
-                  <a:chOff x="14653209" y="12451794"/>
-                  <a:chExt cx="6002004" cy="3983116"/>
-                </a:xfrm>
-              </p:grpSpPr>
-              <p:grpSp>
-                <p:nvGrpSpPr>
-                  <p:cNvPr id="66" name="Group 65">
-                    <a:extLst>
-                      <a:ext uri="{FF2B5EF4-FFF2-40B4-BE49-F238E27FC236}">
-                        <a16:creationId xmlns:a16="http://schemas.microsoft.com/office/drawing/2014/main" id="{CEA3A675-179E-1176-D354-9CFBA4EEA3BA}"/>
-                      </a:ext>
-                    </a:extLst>
-                  </p:cNvPr>
-                  <p:cNvGrpSpPr/>
-                  <p:nvPr/>
-                </p:nvGrpSpPr>
-                <p:grpSpPr>
-                  <a:xfrm>
-                    <a:off x="14653209" y="12451794"/>
-                    <a:ext cx="5812054" cy="3983116"/>
-                    <a:chOff x="16505040" y="14272216"/>
-                    <a:chExt cx="3358868" cy="2232382"/>
-                  </a:xfrm>
-                </p:grpSpPr>
-                <p:grpSp>
-                  <p:nvGrpSpPr>
-                    <p:cNvPr id="62" name="Group 61">
-                      <a:extLst>
-                        <a:ext uri="{FF2B5EF4-FFF2-40B4-BE49-F238E27FC236}">
-                          <a16:creationId xmlns:a16="http://schemas.microsoft.com/office/drawing/2014/main" id="{A286821E-FD9A-CFC8-4C38-5F9C73617603}"/>
-                        </a:ext>
-                      </a:extLst>
-                    </p:cNvPr>
-                    <p:cNvGrpSpPr/>
-                    <p:nvPr/>
-                  </p:nvGrpSpPr>
-                  <p:grpSpPr>
-                    <a:xfrm>
-                      <a:off x="18046023" y="14272231"/>
-                      <a:ext cx="1817885" cy="2232367"/>
-                      <a:chOff x="18128573" y="14272231"/>
-                      <a:chExt cx="1817885" cy="2232367"/>
-                    </a:xfrm>
-                  </p:grpSpPr>
-                  <p:pic>
-                    <p:nvPicPr>
-                      <p:cNvPr id="58" name="Graphic 57">
-                        <a:extLst>
-                          <a:ext uri="{FF2B5EF4-FFF2-40B4-BE49-F238E27FC236}">
-                            <a16:creationId xmlns:a16="http://schemas.microsoft.com/office/drawing/2014/main" id="{1DD30710-8493-B468-B266-B7C08A5D2194}"/>
-                          </a:ext>
-                        </a:extLst>
-                      </p:cNvPr>
-                      <p:cNvPicPr>
-                        <a:picLocks noChangeAspect="1"/>
-                      </p:cNvPicPr>
-                      <p:nvPr/>
-                    </p:nvPicPr>
-                    <p:blipFill>
-                      <a:blip r:embed="rId3">
-                        <a:extLst>
-                          <a:ext uri="{96DAC541-7B7A-43D3-8B79-37D633B846F1}">
-                            <asvg:svgBlip xmlns:asvg="http://schemas.microsoft.com/office/drawing/2016/SVG/main" r:embed="rId4"/>
-                          </a:ext>
-                        </a:extLst>
-                      </a:blip>
-                      <a:srcRect r="34862" b="5496"/>
-                      <a:stretch/>
-                    </p:blipFill>
-                    <p:spPr>
-                      <a:xfrm>
-                        <a:off x="18128573" y="14272231"/>
-                        <a:ext cx="1817885" cy="2232367"/>
-                      </a:xfrm>
-                      <a:prstGeom prst="rect">
-                        <a:avLst/>
-                      </a:prstGeom>
-                    </p:spPr>
-                  </p:pic>
-                  <p:sp>
-                    <p:nvSpPr>
-                      <p:cNvPr id="61" name="Rectangle 60">
-                        <a:extLst>
-                          <a:ext uri="{FF2B5EF4-FFF2-40B4-BE49-F238E27FC236}">
-                            <a16:creationId xmlns:a16="http://schemas.microsoft.com/office/drawing/2014/main" id="{CEB7894B-51E4-E7EB-692F-3C0E225BFDE7}"/>
-                          </a:ext>
-                        </a:extLst>
-                      </p:cNvPr>
-                      <p:cNvSpPr/>
-                      <p:nvPr/>
-                    </p:nvSpPr>
-                    <p:spPr>
-                      <a:xfrm>
-                        <a:off x="18427700" y="14503400"/>
-                        <a:ext cx="285750" cy="1851025"/>
-                      </a:xfrm>
-                      <a:prstGeom prst="rect">
-                        <a:avLst/>
-                      </a:prstGeom>
-                      <a:solidFill>
-                        <a:schemeClr val="bg1"/>
-                      </a:solidFill>
-                      <a:ln>
-                        <a:noFill/>
-                      </a:ln>
-                    </p:spPr>
-                    <p:style>
-                      <a:lnRef idx="2">
-                        <a:schemeClr val="accent1">
-                          <a:shade val="15000"/>
-                        </a:schemeClr>
-                      </a:lnRef>
-                      <a:fillRef idx="1">
-                        <a:schemeClr val="accent1"/>
-                      </a:fillRef>
-                      <a:effectRef idx="0">
-                        <a:schemeClr val="accent1"/>
-                      </a:effectRef>
-                      <a:fontRef idx="minor">
-                        <a:schemeClr val="lt1"/>
-                      </a:fontRef>
-                    </p:style>
-                    <p:txBody>
-                      <a:bodyPr rtlCol="0" anchor="ctr"/>
-                      <a:lstStyle/>
-                      <a:p>
-                        <a:pPr algn="ctr"/>
-                        <a:endParaRPr lang="en-US"/>
-                      </a:p>
-                    </p:txBody>
-                  </p:sp>
-                </p:grpSp>
-                <p:grpSp>
-                  <p:nvGrpSpPr>
-                    <p:cNvPr id="60" name="Group 59">
-                      <a:extLst>
-                        <a:ext uri="{FF2B5EF4-FFF2-40B4-BE49-F238E27FC236}">
-                          <a16:creationId xmlns:a16="http://schemas.microsoft.com/office/drawing/2014/main" id="{2A41912C-EDBA-D2FC-CAA3-1F1A7B77090F}"/>
-                        </a:ext>
-                      </a:extLst>
-                    </p:cNvPr>
-                    <p:cNvGrpSpPr/>
-                    <p:nvPr/>
-                  </p:nvGrpSpPr>
-                  <p:grpSpPr>
-                    <a:xfrm>
-                      <a:off x="16505040" y="14272216"/>
-                      <a:ext cx="1840110" cy="2193634"/>
-                      <a:chOff x="16505040" y="14272216"/>
-                      <a:chExt cx="1840110" cy="2193634"/>
-                    </a:xfrm>
-                  </p:grpSpPr>
-                  <p:pic>
-                    <p:nvPicPr>
-                      <p:cNvPr id="56" name="Graphic 55">
-                        <a:extLst>
-                          <a:ext uri="{FF2B5EF4-FFF2-40B4-BE49-F238E27FC236}">
-                            <a16:creationId xmlns:a16="http://schemas.microsoft.com/office/drawing/2014/main" id="{7C9F560F-1F38-4CCD-6E3F-DA419CC4A366}"/>
-                          </a:ext>
-                        </a:extLst>
-                      </p:cNvPr>
-                      <p:cNvPicPr>
-                        <a:picLocks noChangeAspect="1"/>
-                      </p:cNvPicPr>
-                      <p:nvPr/>
-                    </p:nvPicPr>
-                    <p:blipFill>
-                      <a:blip r:embed="rId5">
-                        <a:extLst>
-                          <a:ext uri="{96DAC541-7B7A-43D3-8B79-37D633B846F1}">
-                            <asvg:svgBlip xmlns:asvg="http://schemas.microsoft.com/office/drawing/2016/SVG/main" r:embed="rId6"/>
-                          </a:ext>
-                        </a:extLst>
-                      </a:blip>
-                      <a:srcRect r="34862" b="7136"/>
-                      <a:stretch/>
-                    </p:blipFill>
-                    <p:spPr>
-                      <a:xfrm>
-                        <a:off x="16505040" y="14272216"/>
-                        <a:ext cx="1817885" cy="2193634"/>
-                      </a:xfrm>
-                      <a:prstGeom prst="rect">
-                        <a:avLst/>
-                      </a:prstGeom>
-                    </p:spPr>
-                  </p:pic>
-                  <p:sp>
-                    <p:nvSpPr>
-                      <p:cNvPr id="59" name="Rectangle 58">
-                        <a:extLst>
-                          <a:ext uri="{FF2B5EF4-FFF2-40B4-BE49-F238E27FC236}">
-                            <a16:creationId xmlns:a16="http://schemas.microsoft.com/office/drawing/2014/main" id="{8FB5CD2B-2274-87D8-999F-73281B1EE4B6}"/>
-                          </a:ext>
-                        </a:extLst>
-                      </p:cNvPr>
-                      <p:cNvSpPr/>
-                      <p:nvPr/>
-                    </p:nvSpPr>
-                    <p:spPr>
-                      <a:xfrm>
-                        <a:off x="18253075" y="14725650"/>
-                        <a:ext cx="92075" cy="1333500"/>
-                      </a:xfrm>
-                      <a:prstGeom prst="rect">
-                        <a:avLst/>
-                      </a:prstGeom>
-                      <a:solidFill>
-                        <a:schemeClr val="bg1"/>
-                      </a:solidFill>
-                      <a:ln>
-                        <a:noFill/>
-                      </a:ln>
-                    </p:spPr>
-                    <p:style>
-                      <a:lnRef idx="2">
-                        <a:schemeClr val="accent1">
-                          <a:shade val="15000"/>
-                        </a:schemeClr>
-                      </a:lnRef>
-                      <a:fillRef idx="1">
-                        <a:schemeClr val="accent1"/>
-                      </a:fillRef>
-                      <a:effectRef idx="0">
-                        <a:schemeClr val="accent1"/>
-                      </a:effectRef>
-                      <a:fontRef idx="minor">
-                        <a:schemeClr val="lt1"/>
-                      </a:fontRef>
-                    </p:style>
-                    <p:txBody>
-                      <a:bodyPr rtlCol="0" anchor="ctr"/>
-                      <a:lstStyle/>
-                      <a:p>
-                        <a:pPr algn="ctr"/>
-                        <a:endParaRPr lang="en-US"/>
-                      </a:p>
-                    </p:txBody>
-                  </p:sp>
-                </p:grpSp>
-                <p:cxnSp>
-                  <p:nvCxnSpPr>
-                    <p:cNvPr id="64" name="Straight Connector 63">
-                      <a:extLst>
-                        <a:ext uri="{FF2B5EF4-FFF2-40B4-BE49-F238E27FC236}">
-                          <a16:creationId xmlns:a16="http://schemas.microsoft.com/office/drawing/2014/main" id="{8A47D853-2C46-651A-2495-ACA60F13FD86}"/>
-                        </a:ext>
-                      </a:extLst>
-                    </p:cNvPr>
-                    <p:cNvCxnSpPr>
-                      <a:cxnSpLocks/>
-                    </p:cNvCxnSpPr>
-                    <p:nvPr/>
-                  </p:nvCxnSpPr>
-                  <p:spPr>
-                    <a:xfrm>
-                      <a:off x="18456275" y="14612142"/>
-                      <a:ext cx="0" cy="1560515"/>
-                    </a:xfrm>
-                    <a:prstGeom prst="line">
-                      <a:avLst/>
-                    </a:prstGeom>
-                    <a:ln>
-                      <a:solidFill>
-                        <a:schemeClr val="tx1"/>
-                      </a:solidFill>
-                    </a:ln>
-                  </p:spPr>
-                  <p:style>
-                    <a:lnRef idx="1">
-                      <a:schemeClr val="dk1"/>
-                    </a:lnRef>
-                    <a:fillRef idx="0">
-                      <a:schemeClr val="dk1"/>
-                    </a:fillRef>
-                    <a:effectRef idx="0">
-                      <a:schemeClr val="dk1"/>
-                    </a:effectRef>
-                    <a:fontRef idx="minor">
-                      <a:schemeClr val="tx1"/>
-                    </a:fontRef>
-                  </p:style>
-                </p:cxnSp>
-              </p:grpSp>
-              <p:sp>
-                <p:nvSpPr>
-                  <p:cNvPr id="68" name="Rectangle 67">
-                    <a:extLst>
-                      <a:ext uri="{FF2B5EF4-FFF2-40B4-BE49-F238E27FC236}">
-                        <a16:creationId xmlns:a16="http://schemas.microsoft.com/office/drawing/2014/main" id="{87E742EF-782A-BA99-30C2-D0F6BE0D8B7E}"/>
-                      </a:ext>
-                    </a:extLst>
-                  </p:cNvPr>
-                  <p:cNvSpPr/>
-                  <p:nvPr/>
-                </p:nvSpPr>
-                <p:spPr>
-                  <a:xfrm>
-                    <a:off x="20113282" y="13260850"/>
-                    <a:ext cx="541931" cy="2322349"/>
-                  </a:xfrm>
-                  <a:prstGeom prst="rect">
-                    <a:avLst/>
-                  </a:prstGeom>
-                  <a:solidFill>
-                    <a:schemeClr val="bg1"/>
-                  </a:solidFill>
-                  <a:ln>
-                    <a:noFill/>
-                  </a:ln>
-                </p:spPr>
-                <p:style>
-                  <a:lnRef idx="2">
-                    <a:schemeClr val="accent1">
-                      <a:shade val="15000"/>
-                    </a:schemeClr>
-                  </a:lnRef>
-                  <a:fillRef idx="1">
-                    <a:schemeClr val="accent1"/>
-                  </a:fillRef>
-                  <a:effectRef idx="0">
-                    <a:schemeClr val="accent1"/>
-                  </a:effectRef>
-                  <a:fontRef idx="minor">
-                    <a:schemeClr val="lt1"/>
-                  </a:fontRef>
-                </p:style>
-                <p:txBody>
-                  <a:bodyPr rtlCol="0" anchor="ctr"/>
-                  <a:lstStyle/>
-                  <a:p>
-                    <a:pPr algn="ctr"/>
-                    <a:endParaRPr lang="en-US" dirty="0"/>
-                  </a:p>
-                </p:txBody>
-              </p:sp>
-            </p:grpSp>
-            <p:pic>
-              <p:nvPicPr>
-                <p:cNvPr id="71" name="Graphic 70">
-                  <a:extLst>
-                    <a:ext uri="{FF2B5EF4-FFF2-40B4-BE49-F238E27FC236}">
-                      <a16:creationId xmlns:a16="http://schemas.microsoft.com/office/drawing/2014/main" id="{73B2B40F-1D05-4646-4366-8710B73FF7FC}"/>
-                    </a:ext>
-                  </a:extLst>
-                </p:cNvPr>
-                <p:cNvPicPr>
-                  <a:picLocks noChangeAspect="1"/>
-                </p:cNvPicPr>
-                <p:nvPr/>
-              </p:nvPicPr>
-              <p:blipFill>
-                <a:blip r:embed="rId7">
-                  <a:extLst>
-                    <a:ext uri="{96DAC541-7B7A-43D3-8B79-37D633B846F1}">
-                      <asvg:svgBlip xmlns:asvg="http://schemas.microsoft.com/office/drawing/2016/SVG/main" r:embed="rId8"/>
-                    </a:ext>
-                  </a:extLst>
-                </a:blip>
-                <a:srcRect l="77441" t="21496" r="4523" b="28925"/>
-                <a:stretch/>
-              </p:blipFill>
-              <p:spPr>
-                <a:xfrm>
-                  <a:off x="20043525" y="13293726"/>
-                  <a:ext cx="1145640" cy="1620350"/>
-                </a:xfrm>
-                <a:prstGeom prst="rect">
-                  <a:avLst/>
-                </a:prstGeom>
-              </p:spPr>
-            </p:pic>
-          </p:grpSp>
-          <p:sp>
-            <p:nvSpPr>
-              <p:cNvPr id="76" name="TextBox 75">
-                <a:extLst>
-                  <a:ext uri="{FF2B5EF4-FFF2-40B4-BE49-F238E27FC236}">
-                    <a16:creationId xmlns:a16="http://schemas.microsoft.com/office/drawing/2014/main" id="{CF8D40BD-6466-C832-012E-A19CBF95A6EF}"/>
-                  </a:ext>
-                </a:extLst>
-              </p:cNvPr>
-              <p:cNvSpPr txBox="1"/>
-              <p:nvPr/>
-            </p:nvSpPr>
-            <p:spPr>
-              <a:xfrm rot="16200000">
-                <a:off x="12164313" y="13925855"/>
-                <a:ext cx="5149340" cy="484758"/>
-              </a:xfrm>
-              <a:prstGeom prst="rect">
-                <a:avLst/>
-              </a:prstGeom>
-              <a:noFill/>
-            </p:spPr>
-            <p:txBody>
-              <a:bodyPr wrap="square" rtlCol="0">
-                <a:spAutoFit/>
-              </a:bodyPr>
-              <a:lstStyle/>
-              <a:p>
-                <a:pPr algn="ctr"/>
-                <a:r>
-                  <a:rPr lang="en-US" sz="2400" dirty="0"/>
-                  <a:t>Percent of genome</a:t>
-                </a:r>
-              </a:p>
-            </p:txBody>
-          </p:sp>
-          <p:sp>
-            <p:nvSpPr>
-              <p:cNvPr id="77" name="TextBox 76">
-                <a:extLst>
-                  <a:ext uri="{FF2B5EF4-FFF2-40B4-BE49-F238E27FC236}">
-                    <a16:creationId xmlns:a16="http://schemas.microsoft.com/office/drawing/2014/main" id="{0AA9E2C4-DE1A-525E-03CA-DD43EAFCEE72}"/>
-                  </a:ext>
-                </a:extLst>
-              </p:cNvPr>
-              <p:cNvSpPr txBox="1"/>
-              <p:nvPr/>
-            </p:nvSpPr>
-            <p:spPr>
-              <a:xfrm>
-                <a:off x="17002043" y="16938084"/>
-                <a:ext cx="4863830" cy="461665"/>
-              </a:xfrm>
-              <a:prstGeom prst="rect">
-                <a:avLst/>
-              </a:prstGeom>
-              <a:noFill/>
-            </p:spPr>
-            <p:txBody>
-              <a:bodyPr wrap="square" rtlCol="0">
-                <a:spAutoFit/>
-              </a:bodyPr>
-              <a:lstStyle/>
-              <a:p>
-                <a:pPr algn="ctr"/>
-                <a:r>
-                  <a:rPr lang="en-US" sz="2400" dirty="0"/>
-                  <a:t>Kimura 2-parameter divergence</a:t>
-                </a:r>
-              </a:p>
-            </p:txBody>
-          </p:sp>
-        </p:grpSp>
-        <p:sp>
-          <p:nvSpPr>
-            <p:cNvPr id="82" name="TextBox 81">
-              <a:extLst>
-                <a:ext uri="{FF2B5EF4-FFF2-40B4-BE49-F238E27FC236}">
-                  <a16:creationId xmlns:a16="http://schemas.microsoft.com/office/drawing/2014/main" id="{148632D9-0884-DAEA-A0BC-22947B2A6854}"/>
-                </a:ext>
-              </a:extLst>
-            </p:cNvPr>
-            <p:cNvSpPr txBox="1"/>
-            <p:nvPr/>
-          </p:nvSpPr>
-          <p:spPr>
-            <a:xfrm>
-              <a:off x="17261762" y="12533552"/>
-              <a:ext cx="1416040" cy="461664"/>
-            </a:xfrm>
-            <a:prstGeom prst="rect">
-              <a:avLst/>
-            </a:prstGeom>
-            <a:noFill/>
-          </p:spPr>
-          <p:txBody>
-            <a:bodyPr wrap="square" rtlCol="0">
-              <a:spAutoFit/>
-            </a:bodyPr>
-            <a:lstStyle/>
-            <a:p>
-              <a:pPr algn="ctr"/>
-              <a:r>
-                <a:rPr lang="en-US" sz="2400" dirty="0"/>
-                <a:t>R</a:t>
-              </a:r>
-              <a:r>
-                <a:rPr lang="en-US" sz="2400" baseline="30000" dirty="0"/>
-                <a:t>2</a:t>
-              </a:r>
-              <a:r>
-                <a:rPr lang="en-US" sz="2400" dirty="0"/>
-                <a:t>=0.36</a:t>
-              </a:r>
-            </a:p>
-          </p:txBody>
-        </p:sp>
-        <p:sp>
-          <p:nvSpPr>
-            <p:cNvPr id="83" name="TextBox 82">
-              <a:extLst>
-                <a:ext uri="{FF2B5EF4-FFF2-40B4-BE49-F238E27FC236}">
-                  <a16:creationId xmlns:a16="http://schemas.microsoft.com/office/drawing/2014/main" id="{4A32C4A3-5C63-6DE1-EF0F-9E859CBB8E93}"/>
-                </a:ext>
-              </a:extLst>
-            </p:cNvPr>
-            <p:cNvSpPr txBox="1"/>
-            <p:nvPr/>
-          </p:nvSpPr>
-          <p:spPr>
-            <a:xfrm>
-              <a:off x="20045237" y="12533553"/>
-              <a:ext cx="1416040" cy="461664"/>
-            </a:xfrm>
-            <a:prstGeom prst="rect">
-              <a:avLst/>
-            </a:prstGeom>
-            <a:noFill/>
-          </p:spPr>
-          <p:txBody>
-            <a:bodyPr wrap="square" rtlCol="0">
-              <a:spAutoFit/>
-            </a:bodyPr>
-            <a:lstStyle/>
-            <a:p>
-              <a:pPr algn="ctr"/>
-              <a:r>
-                <a:rPr lang="en-US" sz="2400" dirty="0"/>
-                <a:t>R</a:t>
-              </a:r>
-              <a:r>
-                <a:rPr lang="en-US" sz="2400" baseline="30000" dirty="0"/>
-                <a:t>2</a:t>
-              </a:r>
-              <a:r>
-                <a:rPr lang="en-US" sz="2400" dirty="0"/>
-                <a:t>=0.73</a:t>
-              </a:r>
-            </a:p>
-          </p:txBody>
-        </p:sp>
-      </p:grpSp>
       <p:sp>
         <p:nvSpPr>
           <p:cNvPr id="6" name="TextBox 5">
@@ -13285,78 +12674,710 @@
           </a:p>
         </p:txBody>
       </p:sp>
-      <p:pic>
-        <p:nvPicPr>
-          <p:cNvPr id="3" name="Graphic 2">
+      <p:grpSp>
+        <p:nvGrpSpPr>
+          <p:cNvPr id="2" name="Group 1">
             <a:extLst>
               <a:ext uri="{FF2B5EF4-FFF2-40B4-BE49-F238E27FC236}">
-                <a16:creationId xmlns:a16="http://schemas.microsoft.com/office/drawing/2014/main" id="{6D750509-AB86-B7AD-D889-C11D160E190B}"/>
+                <a16:creationId xmlns:a16="http://schemas.microsoft.com/office/drawing/2014/main" id="{A43BA7AA-E972-0C9E-4F01-F272A8D77EE8}"/>
               </a:ext>
             </a:extLst>
           </p:cNvPr>
-          <p:cNvPicPr>
-            <a:picLocks noChangeAspect="1"/>
-          </p:cNvPicPr>
+          <p:cNvGrpSpPr/>
           <p:nvPr/>
-        </p:nvPicPr>
-        <p:blipFill>
-          <a:blip r:embed="rId9">
-            <a:extLst>
-              <a:ext uri="{96DAC541-7B7A-43D3-8B79-37D633B846F1}">
-                <asvg:svgBlip xmlns:asvg="http://schemas.microsoft.com/office/drawing/2016/SVG/main" r:embed="rId10"/>
-              </a:ext>
-            </a:extLst>
-          </a:blip>
-          <a:stretch>
-            <a:fillRect/>
-          </a:stretch>
-        </p:blipFill>
-        <p:spPr>
+        </p:nvGrpSpPr>
+        <p:grpSpPr>
           <a:xfrm>
-            <a:off x="17186634" y="13800822"/>
-            <a:ext cx="1503886" cy="931852"/>
+            <a:off x="14453764" y="12043937"/>
+            <a:ext cx="9236414" cy="6137573"/>
+            <a:chOff x="14453764" y="12043937"/>
+            <a:chExt cx="9236414" cy="6137573"/>
           </a:xfrm>
-          <a:prstGeom prst="rect">
-            <a:avLst/>
-          </a:prstGeom>
-        </p:spPr>
-      </p:pic>
-      <p:pic>
-        <p:nvPicPr>
-          <p:cNvPr id="5" name="Graphic 4">
-            <a:extLst>
-              <a:ext uri="{FF2B5EF4-FFF2-40B4-BE49-F238E27FC236}">
-                <a16:creationId xmlns:a16="http://schemas.microsoft.com/office/drawing/2014/main" id="{3DB2E437-F5F6-8605-3207-60292376D7EC}"/>
-              </a:ext>
-            </a:extLst>
-          </p:cNvPr>
-          <p:cNvPicPr>
-            <a:picLocks noChangeAspect="1"/>
-          </p:cNvPicPr>
-          <p:nvPr/>
-        </p:nvPicPr>
-        <p:blipFill>
-          <a:blip r:embed="rId11">
-            <a:extLst>
-              <a:ext uri="{96DAC541-7B7A-43D3-8B79-37D633B846F1}">
-                <asvg:svgBlip xmlns:asvg="http://schemas.microsoft.com/office/drawing/2016/SVG/main" r:embed="rId12"/>
-              </a:ext>
-            </a:extLst>
-          </a:blip>
-          <a:stretch>
-            <a:fillRect/>
-          </a:stretch>
-        </p:blipFill>
-        <p:spPr>
-          <a:xfrm>
-            <a:off x="20228619" y="13798570"/>
-            <a:ext cx="1288997" cy="1047310"/>
-          </a:xfrm>
-          <a:prstGeom prst="rect">
-            <a:avLst/>
-          </a:prstGeom>
-        </p:spPr>
-      </p:pic>
+        </p:grpSpPr>
+        <p:grpSp>
+          <p:nvGrpSpPr>
+            <p:cNvPr id="84" name="Group 83">
+              <a:extLst>
+                <a:ext uri="{FF2B5EF4-FFF2-40B4-BE49-F238E27FC236}">
+                  <a16:creationId xmlns:a16="http://schemas.microsoft.com/office/drawing/2014/main" id="{CCDFEEF8-E07B-855E-ED10-8079A1411D38}"/>
+                </a:ext>
+              </a:extLst>
+            </p:cNvPr>
+            <p:cNvGrpSpPr/>
+            <p:nvPr/>
+          </p:nvGrpSpPr>
+          <p:grpSpPr>
+            <a:xfrm>
+              <a:off x="14453764" y="12043937"/>
+              <a:ext cx="9236414" cy="6137573"/>
+              <a:chOff x="14440697" y="11266891"/>
+              <a:chExt cx="9236414" cy="6225801"/>
+            </a:xfrm>
+          </p:grpSpPr>
+          <p:grpSp>
+            <p:nvGrpSpPr>
+              <p:cNvPr id="78" name="Group 77">
+                <a:extLst>
+                  <a:ext uri="{FF2B5EF4-FFF2-40B4-BE49-F238E27FC236}">
+                    <a16:creationId xmlns:a16="http://schemas.microsoft.com/office/drawing/2014/main" id="{69F39C8A-B22F-2DF1-1C4C-DDF6F889EF0F}"/>
+                  </a:ext>
+                </a:extLst>
+              </p:cNvPr>
+              <p:cNvGrpSpPr/>
+              <p:nvPr/>
+            </p:nvGrpSpPr>
+            <p:grpSpPr>
+              <a:xfrm>
+                <a:off x="14440697" y="11266891"/>
+                <a:ext cx="9236414" cy="6225801"/>
+                <a:chOff x="14401799" y="11266890"/>
+                <a:chExt cx="9585338" cy="6132859"/>
+              </a:xfrm>
+            </p:grpSpPr>
+            <p:grpSp>
+              <p:nvGrpSpPr>
+                <p:cNvPr id="72" name="Group 71">
+                  <a:extLst>
+                    <a:ext uri="{FF2B5EF4-FFF2-40B4-BE49-F238E27FC236}">
+                      <a16:creationId xmlns:a16="http://schemas.microsoft.com/office/drawing/2014/main" id="{D0AEC96E-224E-24F3-06B8-EEBEEB75CC7A}"/>
+                    </a:ext>
+                  </a:extLst>
+                </p:cNvPr>
+                <p:cNvGrpSpPr/>
+                <p:nvPr/>
+              </p:nvGrpSpPr>
+              <p:grpSpPr>
+                <a:xfrm>
+                  <a:off x="14401799" y="11266890"/>
+                  <a:ext cx="9585338" cy="5777534"/>
+                  <a:chOff x="14653209" y="12451794"/>
+                  <a:chExt cx="6535956" cy="3983116"/>
+                </a:xfrm>
+              </p:grpSpPr>
+              <p:grpSp>
+                <p:nvGrpSpPr>
+                  <p:cNvPr id="69" name="Group 68">
+                    <a:extLst>
+                      <a:ext uri="{FF2B5EF4-FFF2-40B4-BE49-F238E27FC236}">
+                        <a16:creationId xmlns:a16="http://schemas.microsoft.com/office/drawing/2014/main" id="{EFBF8C23-5D11-B025-ED76-4CDA374FD179}"/>
+                      </a:ext>
+                    </a:extLst>
+                  </p:cNvPr>
+                  <p:cNvGrpSpPr/>
+                  <p:nvPr/>
+                </p:nvGrpSpPr>
+                <p:grpSpPr>
+                  <a:xfrm>
+                    <a:off x="14653209" y="12451794"/>
+                    <a:ext cx="6002004" cy="3983116"/>
+                    <a:chOff x="14653209" y="12451794"/>
+                    <a:chExt cx="6002004" cy="3983116"/>
+                  </a:xfrm>
+                </p:grpSpPr>
+                <p:grpSp>
+                  <p:nvGrpSpPr>
+                    <p:cNvPr id="66" name="Group 65">
+                      <a:extLst>
+                        <a:ext uri="{FF2B5EF4-FFF2-40B4-BE49-F238E27FC236}">
+                          <a16:creationId xmlns:a16="http://schemas.microsoft.com/office/drawing/2014/main" id="{CEA3A675-179E-1176-D354-9CFBA4EEA3BA}"/>
+                        </a:ext>
+                      </a:extLst>
+                    </p:cNvPr>
+                    <p:cNvGrpSpPr/>
+                    <p:nvPr/>
+                  </p:nvGrpSpPr>
+                  <p:grpSpPr>
+                    <a:xfrm>
+                      <a:off x="14653209" y="12451794"/>
+                      <a:ext cx="5812054" cy="3983116"/>
+                      <a:chOff x="16505040" y="14272216"/>
+                      <a:chExt cx="3358868" cy="2232382"/>
+                    </a:xfrm>
+                  </p:grpSpPr>
+                  <p:grpSp>
+                    <p:nvGrpSpPr>
+                      <p:cNvPr id="62" name="Group 61">
+                        <a:extLst>
+                          <a:ext uri="{FF2B5EF4-FFF2-40B4-BE49-F238E27FC236}">
+                            <a16:creationId xmlns:a16="http://schemas.microsoft.com/office/drawing/2014/main" id="{A286821E-FD9A-CFC8-4C38-5F9C73617603}"/>
+                          </a:ext>
+                        </a:extLst>
+                      </p:cNvPr>
+                      <p:cNvGrpSpPr/>
+                      <p:nvPr/>
+                    </p:nvGrpSpPr>
+                    <p:grpSpPr>
+                      <a:xfrm>
+                        <a:off x="18046023" y="14272231"/>
+                        <a:ext cx="1817885" cy="2232367"/>
+                        <a:chOff x="18128573" y="14272231"/>
+                        <a:chExt cx="1817885" cy="2232367"/>
+                      </a:xfrm>
+                    </p:grpSpPr>
+                    <p:pic>
+                      <p:nvPicPr>
+                        <p:cNvPr id="58" name="Graphic 57">
+                          <a:extLst>
+                            <a:ext uri="{FF2B5EF4-FFF2-40B4-BE49-F238E27FC236}">
+                              <a16:creationId xmlns:a16="http://schemas.microsoft.com/office/drawing/2014/main" id="{1DD30710-8493-B468-B266-B7C08A5D2194}"/>
+                            </a:ext>
+                          </a:extLst>
+                        </p:cNvPr>
+                        <p:cNvPicPr>
+                          <a:picLocks noChangeAspect="1"/>
+                        </p:cNvPicPr>
+                        <p:nvPr/>
+                      </p:nvPicPr>
+                      <p:blipFill>
+                        <a:blip r:embed="rId3">
+                          <a:extLst>
+                            <a:ext uri="{96DAC541-7B7A-43D3-8B79-37D633B846F1}">
+                              <asvg:svgBlip xmlns:asvg="http://schemas.microsoft.com/office/drawing/2016/SVG/main" r:embed="rId4"/>
+                            </a:ext>
+                          </a:extLst>
+                        </a:blip>
+                        <a:srcRect r="34862" b="5496"/>
+                        <a:stretch/>
+                      </p:blipFill>
+                      <p:spPr>
+                        <a:xfrm>
+                          <a:off x="18128573" y="14272231"/>
+                          <a:ext cx="1817885" cy="2232367"/>
+                        </a:xfrm>
+                        <a:prstGeom prst="rect">
+                          <a:avLst/>
+                        </a:prstGeom>
+                      </p:spPr>
+                    </p:pic>
+                    <p:sp>
+                      <p:nvSpPr>
+                        <p:cNvPr id="61" name="Rectangle 60">
+                          <a:extLst>
+                            <a:ext uri="{FF2B5EF4-FFF2-40B4-BE49-F238E27FC236}">
+                              <a16:creationId xmlns:a16="http://schemas.microsoft.com/office/drawing/2014/main" id="{CEB7894B-51E4-E7EB-692F-3C0E225BFDE7}"/>
+                            </a:ext>
+                          </a:extLst>
+                        </p:cNvPr>
+                        <p:cNvSpPr/>
+                        <p:nvPr/>
+                      </p:nvSpPr>
+                      <p:spPr>
+                        <a:xfrm>
+                          <a:off x="18427700" y="14503400"/>
+                          <a:ext cx="285750" cy="1851025"/>
+                        </a:xfrm>
+                        <a:prstGeom prst="rect">
+                          <a:avLst/>
+                        </a:prstGeom>
+                        <a:solidFill>
+                          <a:schemeClr val="bg1"/>
+                        </a:solidFill>
+                        <a:ln>
+                          <a:noFill/>
+                        </a:ln>
+                      </p:spPr>
+                      <p:style>
+                        <a:lnRef idx="2">
+                          <a:schemeClr val="accent1">
+                            <a:shade val="15000"/>
+                          </a:schemeClr>
+                        </a:lnRef>
+                        <a:fillRef idx="1">
+                          <a:schemeClr val="accent1"/>
+                        </a:fillRef>
+                        <a:effectRef idx="0">
+                          <a:schemeClr val="accent1"/>
+                        </a:effectRef>
+                        <a:fontRef idx="minor">
+                          <a:schemeClr val="lt1"/>
+                        </a:fontRef>
+                      </p:style>
+                      <p:txBody>
+                        <a:bodyPr rtlCol="0" anchor="ctr"/>
+                        <a:lstStyle/>
+                        <a:p>
+                          <a:pPr algn="ctr"/>
+                          <a:endParaRPr lang="en-US"/>
+                        </a:p>
+                      </p:txBody>
+                    </p:sp>
+                  </p:grpSp>
+                  <p:grpSp>
+                    <p:nvGrpSpPr>
+                      <p:cNvPr id="60" name="Group 59">
+                        <a:extLst>
+                          <a:ext uri="{FF2B5EF4-FFF2-40B4-BE49-F238E27FC236}">
+                            <a16:creationId xmlns:a16="http://schemas.microsoft.com/office/drawing/2014/main" id="{2A41912C-EDBA-D2FC-CAA3-1F1A7B77090F}"/>
+                          </a:ext>
+                        </a:extLst>
+                      </p:cNvPr>
+                      <p:cNvGrpSpPr/>
+                      <p:nvPr/>
+                    </p:nvGrpSpPr>
+                    <p:grpSpPr>
+                      <a:xfrm>
+                        <a:off x="16505040" y="14272216"/>
+                        <a:ext cx="1840110" cy="2193634"/>
+                        <a:chOff x="16505040" y="14272216"/>
+                        <a:chExt cx="1840110" cy="2193634"/>
+                      </a:xfrm>
+                    </p:grpSpPr>
+                    <p:pic>
+                      <p:nvPicPr>
+                        <p:cNvPr id="56" name="Graphic 55">
+                          <a:extLst>
+                            <a:ext uri="{FF2B5EF4-FFF2-40B4-BE49-F238E27FC236}">
+                              <a16:creationId xmlns:a16="http://schemas.microsoft.com/office/drawing/2014/main" id="{7C9F560F-1F38-4CCD-6E3F-DA419CC4A366}"/>
+                            </a:ext>
+                          </a:extLst>
+                        </p:cNvPr>
+                        <p:cNvPicPr>
+                          <a:picLocks noChangeAspect="1"/>
+                        </p:cNvPicPr>
+                        <p:nvPr/>
+                      </p:nvPicPr>
+                      <p:blipFill>
+                        <a:blip r:embed="rId5">
+                          <a:extLst>
+                            <a:ext uri="{96DAC541-7B7A-43D3-8B79-37D633B846F1}">
+                              <asvg:svgBlip xmlns:asvg="http://schemas.microsoft.com/office/drawing/2016/SVG/main" r:embed="rId6"/>
+                            </a:ext>
+                          </a:extLst>
+                        </a:blip>
+                        <a:srcRect r="34862" b="7136"/>
+                        <a:stretch/>
+                      </p:blipFill>
+                      <p:spPr>
+                        <a:xfrm>
+                          <a:off x="16505040" y="14272216"/>
+                          <a:ext cx="1817885" cy="2193634"/>
+                        </a:xfrm>
+                        <a:prstGeom prst="rect">
+                          <a:avLst/>
+                        </a:prstGeom>
+                      </p:spPr>
+                    </p:pic>
+                    <p:sp>
+                      <p:nvSpPr>
+                        <p:cNvPr id="59" name="Rectangle 58">
+                          <a:extLst>
+                            <a:ext uri="{FF2B5EF4-FFF2-40B4-BE49-F238E27FC236}">
+                              <a16:creationId xmlns:a16="http://schemas.microsoft.com/office/drawing/2014/main" id="{8FB5CD2B-2274-87D8-999F-73281B1EE4B6}"/>
+                            </a:ext>
+                          </a:extLst>
+                        </p:cNvPr>
+                        <p:cNvSpPr/>
+                        <p:nvPr/>
+                      </p:nvSpPr>
+                      <p:spPr>
+                        <a:xfrm>
+                          <a:off x="18253075" y="14725650"/>
+                          <a:ext cx="92075" cy="1333500"/>
+                        </a:xfrm>
+                        <a:prstGeom prst="rect">
+                          <a:avLst/>
+                        </a:prstGeom>
+                        <a:solidFill>
+                          <a:schemeClr val="bg1"/>
+                        </a:solidFill>
+                        <a:ln>
+                          <a:noFill/>
+                        </a:ln>
+                      </p:spPr>
+                      <p:style>
+                        <a:lnRef idx="2">
+                          <a:schemeClr val="accent1">
+                            <a:shade val="15000"/>
+                          </a:schemeClr>
+                        </a:lnRef>
+                        <a:fillRef idx="1">
+                          <a:schemeClr val="accent1"/>
+                        </a:fillRef>
+                        <a:effectRef idx="0">
+                          <a:schemeClr val="accent1"/>
+                        </a:effectRef>
+                        <a:fontRef idx="minor">
+                          <a:schemeClr val="lt1"/>
+                        </a:fontRef>
+                      </p:style>
+                      <p:txBody>
+                        <a:bodyPr rtlCol="0" anchor="ctr"/>
+                        <a:lstStyle/>
+                        <a:p>
+                          <a:pPr algn="ctr"/>
+                          <a:endParaRPr lang="en-US"/>
+                        </a:p>
+                      </p:txBody>
+                    </p:sp>
+                  </p:grpSp>
+                  <p:cxnSp>
+                    <p:nvCxnSpPr>
+                      <p:cNvPr id="64" name="Straight Connector 63">
+                        <a:extLst>
+                          <a:ext uri="{FF2B5EF4-FFF2-40B4-BE49-F238E27FC236}">
+                            <a16:creationId xmlns:a16="http://schemas.microsoft.com/office/drawing/2014/main" id="{8A47D853-2C46-651A-2495-ACA60F13FD86}"/>
+                          </a:ext>
+                        </a:extLst>
+                      </p:cNvPr>
+                      <p:cNvCxnSpPr>
+                        <a:cxnSpLocks/>
+                      </p:cNvCxnSpPr>
+                      <p:nvPr/>
+                    </p:nvCxnSpPr>
+                    <p:spPr>
+                      <a:xfrm>
+                        <a:off x="18456275" y="14612142"/>
+                        <a:ext cx="0" cy="1560515"/>
+                      </a:xfrm>
+                      <a:prstGeom prst="line">
+                        <a:avLst/>
+                      </a:prstGeom>
+                      <a:ln>
+                        <a:solidFill>
+                          <a:schemeClr val="tx1"/>
+                        </a:solidFill>
+                      </a:ln>
+                    </p:spPr>
+                    <p:style>
+                      <a:lnRef idx="1">
+                        <a:schemeClr val="dk1"/>
+                      </a:lnRef>
+                      <a:fillRef idx="0">
+                        <a:schemeClr val="dk1"/>
+                      </a:fillRef>
+                      <a:effectRef idx="0">
+                        <a:schemeClr val="dk1"/>
+                      </a:effectRef>
+                      <a:fontRef idx="minor">
+                        <a:schemeClr val="tx1"/>
+                      </a:fontRef>
+                    </p:style>
+                  </p:cxnSp>
+                </p:grpSp>
+                <p:sp>
+                  <p:nvSpPr>
+                    <p:cNvPr id="68" name="Rectangle 67">
+                      <a:extLst>
+                        <a:ext uri="{FF2B5EF4-FFF2-40B4-BE49-F238E27FC236}">
+                          <a16:creationId xmlns:a16="http://schemas.microsoft.com/office/drawing/2014/main" id="{87E742EF-782A-BA99-30C2-D0F6BE0D8B7E}"/>
+                        </a:ext>
+                      </a:extLst>
+                    </p:cNvPr>
+                    <p:cNvSpPr/>
+                    <p:nvPr/>
+                  </p:nvSpPr>
+                  <p:spPr>
+                    <a:xfrm>
+                      <a:off x="20113282" y="13260850"/>
+                      <a:ext cx="541931" cy="2322349"/>
+                    </a:xfrm>
+                    <a:prstGeom prst="rect">
+                      <a:avLst/>
+                    </a:prstGeom>
+                    <a:solidFill>
+                      <a:schemeClr val="bg1"/>
+                    </a:solidFill>
+                    <a:ln>
+                      <a:noFill/>
+                    </a:ln>
+                  </p:spPr>
+                  <p:style>
+                    <a:lnRef idx="2">
+                      <a:schemeClr val="accent1">
+                        <a:shade val="15000"/>
+                      </a:schemeClr>
+                    </a:lnRef>
+                    <a:fillRef idx="1">
+                      <a:schemeClr val="accent1"/>
+                    </a:fillRef>
+                    <a:effectRef idx="0">
+                      <a:schemeClr val="accent1"/>
+                    </a:effectRef>
+                    <a:fontRef idx="minor">
+                      <a:schemeClr val="lt1"/>
+                    </a:fontRef>
+                  </p:style>
+                  <p:txBody>
+                    <a:bodyPr rtlCol="0" anchor="ctr"/>
+                    <a:lstStyle/>
+                    <a:p>
+                      <a:pPr algn="ctr"/>
+                      <a:endParaRPr lang="en-US" dirty="0"/>
+                    </a:p>
+                  </p:txBody>
+                </p:sp>
+              </p:grpSp>
+              <p:pic>
+                <p:nvPicPr>
+                  <p:cNvPr id="71" name="Graphic 70">
+                    <a:extLst>
+                      <a:ext uri="{FF2B5EF4-FFF2-40B4-BE49-F238E27FC236}">
+                        <a16:creationId xmlns:a16="http://schemas.microsoft.com/office/drawing/2014/main" id="{73B2B40F-1D05-4646-4366-8710B73FF7FC}"/>
+                      </a:ext>
+                    </a:extLst>
+                  </p:cNvPr>
+                  <p:cNvPicPr>
+                    <a:picLocks noChangeAspect="1"/>
+                  </p:cNvPicPr>
+                  <p:nvPr/>
+                </p:nvPicPr>
+                <p:blipFill>
+                  <a:blip r:embed="rId7">
+                    <a:extLst>
+                      <a:ext uri="{96DAC541-7B7A-43D3-8B79-37D633B846F1}">
+                        <asvg:svgBlip xmlns:asvg="http://schemas.microsoft.com/office/drawing/2016/SVG/main" r:embed="rId8"/>
+                      </a:ext>
+                    </a:extLst>
+                  </a:blip>
+                  <a:srcRect l="77441" t="21496" r="4523" b="28925"/>
+                  <a:stretch/>
+                </p:blipFill>
+                <p:spPr>
+                  <a:xfrm>
+                    <a:off x="20043525" y="13293726"/>
+                    <a:ext cx="1145640" cy="1620350"/>
+                  </a:xfrm>
+                  <a:prstGeom prst="rect">
+                    <a:avLst/>
+                  </a:prstGeom>
+                </p:spPr>
+              </p:pic>
+            </p:grpSp>
+            <p:sp>
+              <p:nvSpPr>
+                <p:cNvPr id="76" name="TextBox 75">
+                  <a:extLst>
+                    <a:ext uri="{FF2B5EF4-FFF2-40B4-BE49-F238E27FC236}">
+                      <a16:creationId xmlns:a16="http://schemas.microsoft.com/office/drawing/2014/main" id="{CF8D40BD-6466-C832-012E-A19CBF95A6EF}"/>
+                    </a:ext>
+                  </a:extLst>
+                </p:cNvPr>
+                <p:cNvSpPr txBox="1"/>
+                <p:nvPr/>
+              </p:nvSpPr>
+              <p:spPr>
+                <a:xfrm rot="16200000">
+                  <a:off x="12164313" y="13925855"/>
+                  <a:ext cx="5149340" cy="484758"/>
+                </a:xfrm>
+                <a:prstGeom prst="rect">
+                  <a:avLst/>
+                </a:prstGeom>
+                <a:noFill/>
+              </p:spPr>
+              <p:txBody>
+                <a:bodyPr wrap="square" rtlCol="0">
+                  <a:spAutoFit/>
+                </a:bodyPr>
+                <a:lstStyle/>
+                <a:p>
+                  <a:pPr algn="ctr"/>
+                  <a:r>
+                    <a:rPr lang="en-US" sz="2400" dirty="0"/>
+                    <a:t>Percent of genome</a:t>
+                  </a:r>
+                </a:p>
+              </p:txBody>
+            </p:sp>
+            <p:sp>
+              <p:nvSpPr>
+                <p:cNvPr id="77" name="TextBox 76">
+                  <a:extLst>
+                    <a:ext uri="{FF2B5EF4-FFF2-40B4-BE49-F238E27FC236}">
+                      <a16:creationId xmlns:a16="http://schemas.microsoft.com/office/drawing/2014/main" id="{0AA9E2C4-DE1A-525E-03CA-DD43EAFCEE72}"/>
+                    </a:ext>
+                  </a:extLst>
+                </p:cNvPr>
+                <p:cNvSpPr txBox="1"/>
+                <p:nvPr/>
+              </p:nvSpPr>
+              <p:spPr>
+                <a:xfrm>
+                  <a:off x="17002043" y="16938084"/>
+                  <a:ext cx="4863830" cy="461665"/>
+                </a:xfrm>
+                <a:prstGeom prst="rect">
+                  <a:avLst/>
+                </a:prstGeom>
+                <a:noFill/>
+              </p:spPr>
+              <p:txBody>
+                <a:bodyPr wrap="square" rtlCol="0">
+                  <a:spAutoFit/>
+                </a:bodyPr>
+                <a:lstStyle/>
+                <a:p>
+                  <a:pPr algn="ctr"/>
+                  <a:r>
+                    <a:rPr lang="en-US" sz="2400" dirty="0"/>
+                    <a:t>Kimura 2-parameter divergence</a:t>
+                  </a:r>
+                </a:p>
+              </p:txBody>
+            </p:sp>
+          </p:grpSp>
+          <p:sp>
+            <p:nvSpPr>
+              <p:cNvPr id="82" name="TextBox 81">
+                <a:extLst>
+                  <a:ext uri="{FF2B5EF4-FFF2-40B4-BE49-F238E27FC236}">
+                    <a16:creationId xmlns:a16="http://schemas.microsoft.com/office/drawing/2014/main" id="{148632D9-0884-DAEA-A0BC-22947B2A6854}"/>
+                  </a:ext>
+                </a:extLst>
+              </p:cNvPr>
+              <p:cNvSpPr txBox="1"/>
+              <p:nvPr/>
+            </p:nvSpPr>
+            <p:spPr>
+              <a:xfrm>
+                <a:off x="17261762" y="12533552"/>
+                <a:ext cx="1416040" cy="461664"/>
+              </a:xfrm>
+              <a:prstGeom prst="rect">
+                <a:avLst/>
+              </a:prstGeom>
+              <a:noFill/>
+            </p:spPr>
+            <p:txBody>
+              <a:bodyPr wrap="square" rtlCol="0">
+                <a:spAutoFit/>
+              </a:bodyPr>
+              <a:lstStyle/>
+              <a:p>
+                <a:pPr algn="ctr"/>
+                <a:r>
+                  <a:rPr lang="en-US" sz="2400" dirty="0"/>
+                  <a:t>R</a:t>
+                </a:r>
+                <a:r>
+                  <a:rPr lang="en-US" sz="2400" baseline="30000" dirty="0"/>
+                  <a:t>2</a:t>
+                </a:r>
+                <a:r>
+                  <a:rPr lang="en-US" sz="2400" dirty="0"/>
+                  <a:t>=0.36</a:t>
+                </a:r>
+              </a:p>
+            </p:txBody>
+          </p:sp>
+          <p:sp>
+            <p:nvSpPr>
+              <p:cNvPr id="83" name="TextBox 82">
+                <a:extLst>
+                  <a:ext uri="{FF2B5EF4-FFF2-40B4-BE49-F238E27FC236}">
+                    <a16:creationId xmlns:a16="http://schemas.microsoft.com/office/drawing/2014/main" id="{4A32C4A3-5C63-6DE1-EF0F-9E859CBB8E93}"/>
+                  </a:ext>
+                </a:extLst>
+              </p:cNvPr>
+              <p:cNvSpPr txBox="1"/>
+              <p:nvPr/>
+            </p:nvSpPr>
+            <p:spPr>
+              <a:xfrm>
+                <a:off x="20045237" y="12533553"/>
+                <a:ext cx="1416040" cy="461664"/>
+              </a:xfrm>
+              <a:prstGeom prst="rect">
+                <a:avLst/>
+              </a:prstGeom>
+              <a:noFill/>
+            </p:spPr>
+            <p:txBody>
+              <a:bodyPr wrap="square" rtlCol="0">
+                <a:spAutoFit/>
+              </a:bodyPr>
+              <a:lstStyle/>
+              <a:p>
+                <a:pPr algn="ctr"/>
+                <a:r>
+                  <a:rPr lang="en-US" sz="2400" dirty="0"/>
+                  <a:t>R</a:t>
+                </a:r>
+                <a:r>
+                  <a:rPr lang="en-US" sz="2400" baseline="30000" dirty="0"/>
+                  <a:t>2</a:t>
+                </a:r>
+                <a:r>
+                  <a:rPr lang="en-US" sz="2400" dirty="0"/>
+                  <a:t>=0.73</a:t>
+                </a:r>
+              </a:p>
+            </p:txBody>
+          </p:sp>
+        </p:grpSp>
+        <p:pic>
+          <p:nvPicPr>
+            <p:cNvPr id="3" name="Graphic 2">
+              <a:extLst>
+                <a:ext uri="{FF2B5EF4-FFF2-40B4-BE49-F238E27FC236}">
+                  <a16:creationId xmlns:a16="http://schemas.microsoft.com/office/drawing/2014/main" id="{6D750509-AB86-B7AD-D889-C11D160E190B}"/>
+                </a:ext>
+              </a:extLst>
+            </p:cNvPr>
+            <p:cNvPicPr>
+              <a:picLocks noChangeAspect="1"/>
+            </p:cNvPicPr>
+            <p:nvPr/>
+          </p:nvPicPr>
+          <p:blipFill>
+            <a:blip r:embed="rId9">
+              <a:extLst>
+                <a:ext uri="{96DAC541-7B7A-43D3-8B79-37D633B846F1}">
+                  <asvg:svgBlip xmlns:asvg="http://schemas.microsoft.com/office/drawing/2016/SVG/main" r:embed="rId10"/>
+                </a:ext>
+              </a:extLst>
+            </a:blip>
+            <a:stretch>
+              <a:fillRect/>
+            </a:stretch>
+          </p:blipFill>
+          <p:spPr>
+            <a:xfrm>
+              <a:off x="17186634" y="13800822"/>
+              <a:ext cx="1503886" cy="931852"/>
+            </a:xfrm>
+            <a:prstGeom prst="rect">
+              <a:avLst/>
+            </a:prstGeom>
+          </p:spPr>
+        </p:pic>
+        <p:pic>
+          <p:nvPicPr>
+            <p:cNvPr id="5" name="Graphic 4">
+              <a:extLst>
+                <a:ext uri="{FF2B5EF4-FFF2-40B4-BE49-F238E27FC236}">
+                  <a16:creationId xmlns:a16="http://schemas.microsoft.com/office/drawing/2014/main" id="{3DB2E437-F5F6-8605-3207-60292376D7EC}"/>
+                </a:ext>
+              </a:extLst>
+            </p:cNvPr>
+            <p:cNvPicPr>
+              <a:picLocks noChangeAspect="1"/>
+            </p:cNvPicPr>
+            <p:nvPr/>
+          </p:nvPicPr>
+          <p:blipFill>
+            <a:blip r:embed="rId11">
+              <a:extLst>
+                <a:ext uri="{96DAC541-7B7A-43D3-8B79-37D633B846F1}">
+                  <asvg:svgBlip xmlns:asvg="http://schemas.microsoft.com/office/drawing/2016/SVG/main" r:embed="rId12"/>
+                </a:ext>
+              </a:extLst>
+            </a:blip>
+            <a:stretch>
+              <a:fillRect/>
+            </a:stretch>
+          </p:blipFill>
+          <p:spPr>
+            <a:xfrm>
+              <a:off x="20228619" y="13798570"/>
+              <a:ext cx="1288997" cy="1047310"/>
+            </a:xfrm>
+            <a:prstGeom prst="rect">
+              <a:avLst/>
+            </a:prstGeom>
+          </p:spPr>
+        </p:pic>
+      </p:grpSp>
       <p:sp>
         <p:nvSpPr>
           <p:cNvPr id="4" name="TextBox 1">
